--- a/Homework/math/2022202625/陈尚祺+2022202625+final.pptx
+++ b/Homework/math/2022202625/陈尚祺+2022202625+final.pptx
@@ -4096,14 +4096,14 @@
       </p:graphicFrame>
       <p:sp>
         <p:nvSpPr>
-          <p:cNvPr id="1" name="文本框 0"/>
+          <p:cNvPr id="2" name="文本框 1"/>
           <p:cNvSpPr txBox="1"/>
           <p:nvPr/>
         </p:nvSpPr>
         <p:spPr>
           <a:xfrm>
-            <a:off x="763270" y="1896745"/>
-            <a:ext cx="10965815" cy="3447415"/>
+            <a:off x="763270" y="2760345"/>
+            <a:ext cx="10965815" cy="1668145"/>
           </a:xfrm>
           <a:prstGeom prst="rect">
             <a:avLst/>
@@ -4152,14 +4152,14 @@
                 <a:latin typeface="Arial" panose="020B0604020202020204" pitchFamily="34" charset="0"/>
                 <a:ea typeface="微软雅黑" panose="020B0503020204020204" charset="-122"/>
               </a:rPr>
-              <a:t>数据</a:t>
+              <a:t>数据探索（数据集</a:t>
             </a:r>
             <a:r>
               <a:rPr lang="zh-CN" altLang="en-US" sz="1800">
                 <a:latin typeface="Arial" panose="020B0604020202020204" pitchFamily="34" charset="0"/>
                 <a:ea typeface="微软雅黑" panose="020B0503020204020204" charset="-122"/>
               </a:rPr>
-              <a:t>探索</a:t>
+              <a:t>形状）</a:t>
             </a:r>
             <a:endParaRPr lang="zh-CN" altLang="en-US" sz="1800">
               <a:latin typeface="Arial" panose="020B0604020202020204" pitchFamily="34" charset="0"/>
@@ -4213,14 +4213,14 @@
                 <a:latin typeface="Arial" panose="020B0604020202020204" pitchFamily="34" charset="0"/>
                 <a:ea typeface="微软雅黑" panose="020B0503020204020204" charset="-122"/>
               </a:rPr>
-              <a:t>处理数值</a:t>
+              <a:t>处理数值变量（定义函数</a:t>
             </a:r>
             <a:r>
               <a:rPr lang="zh-CN" altLang="en-US" sz="1800">
                 <a:latin typeface="Arial" panose="020B0604020202020204" pitchFamily="34" charset="0"/>
                 <a:ea typeface="微软雅黑" panose="020B0503020204020204" charset="-122"/>
               </a:rPr>
-              <a:t>变量</a:t>
+              <a:t>提取）</a:t>
             </a:r>
             <a:endParaRPr lang="zh-CN" altLang="en-US" sz="1800">
               <a:latin typeface="Arial" panose="020B0604020202020204" pitchFamily="34" charset="0"/>
@@ -4229,6 +4229,78 @@
           </a:p>
         </p:txBody>
       </p:sp>
+      <p:pic>
+        <p:nvPicPr>
+          <p:cNvPr id="1" name="图片 0"/>
+          <p:cNvPicPr>
+            <a:picLocks noChangeAspect="1"/>
+          </p:cNvPicPr>
+          <p:nvPr/>
+        </p:nvPicPr>
+        <p:blipFill>
+          <a:blip r:embed="rId4"/>
+          <a:stretch>
+            <a:fillRect/>
+          </a:stretch>
+        </p:blipFill>
+        <p:spPr>
+          <a:xfrm>
+            <a:off x="763270" y="1783715"/>
+            <a:ext cx="10883900" cy="574040"/>
+          </a:xfrm>
+          <a:prstGeom prst="rect">
+            <a:avLst/>
+          </a:prstGeom>
+        </p:spPr>
+      </p:pic>
+      <p:pic>
+        <p:nvPicPr>
+          <p:cNvPr id="3" name="图片 2"/>
+          <p:cNvPicPr>
+            <a:picLocks noChangeAspect="1"/>
+          </p:cNvPicPr>
+          <p:nvPr/>
+        </p:nvPicPr>
+        <p:blipFill>
+          <a:blip r:embed="rId5"/>
+          <a:stretch>
+            <a:fillRect/>
+          </a:stretch>
+        </p:blipFill>
+        <p:spPr>
+          <a:xfrm>
+            <a:off x="5420360" y="2948305"/>
+            <a:ext cx="1988820" cy="472440"/>
+          </a:xfrm>
+          <a:prstGeom prst="rect">
+            <a:avLst/>
+          </a:prstGeom>
+        </p:spPr>
+      </p:pic>
+      <p:pic>
+        <p:nvPicPr>
+          <p:cNvPr id="4" name="图片 3"/>
+          <p:cNvPicPr>
+            <a:picLocks noChangeAspect="1"/>
+          </p:cNvPicPr>
+          <p:nvPr/>
+        </p:nvPicPr>
+        <p:blipFill>
+          <a:blip r:embed="rId6"/>
+          <a:stretch>
+            <a:fillRect/>
+          </a:stretch>
+        </p:blipFill>
+        <p:spPr>
+          <a:xfrm>
+            <a:off x="5743575" y="4011295"/>
+            <a:ext cx="3954780" cy="1264920"/>
+          </a:xfrm>
+          <a:prstGeom prst="rect">
+            <a:avLst/>
+          </a:prstGeom>
+        </p:spPr>
+      </p:pic>
     </p:spTree>
   </p:cSld>
   <p:clrMapOvr>
@@ -4554,14 +4626,14 @@
       </p:graphicFrame>
       <p:sp>
         <p:nvSpPr>
-          <p:cNvPr id="1" name="文本框 0"/>
+          <p:cNvPr id="2" name="文本框 1"/>
           <p:cNvSpPr txBox="1"/>
           <p:nvPr/>
         </p:nvSpPr>
         <p:spPr>
           <a:xfrm>
             <a:off x="763270" y="1896745"/>
-            <a:ext cx="10965815" cy="3447415"/>
+            <a:ext cx="10965815" cy="1423670"/>
           </a:xfrm>
           <a:prstGeom prst="rect">
             <a:avLst/>
@@ -4586,7 +4658,14 @@
                 <a:latin typeface="Arial" panose="020B0604020202020204" pitchFamily="34" charset="0"/>
                 <a:ea typeface="微软雅黑" panose="020B0503020204020204" charset="-122"/>
               </a:rPr>
-              <a:t>特征工程：</a:t>
+              <a:t>特征工程：数值型特征和分类型</a:t>
+            </a:r>
+            <a:r>
+              <a:rPr lang="zh-CN" altLang="en-US" sz="1800">
+                <a:latin typeface="Arial" panose="020B0604020202020204" pitchFamily="34" charset="0"/>
+                <a:ea typeface="微软雅黑" panose="020B0503020204020204" charset="-122"/>
+              </a:rPr>
+              <a:t>特征</a:t>
             </a:r>
             <a:endParaRPr lang="zh-CN" altLang="en-US" sz="1800">
               <a:latin typeface="Arial" panose="020B0604020202020204" pitchFamily="34" charset="0"/>
@@ -4620,7 +4699,31 @@
                 <a:latin typeface="Arial" panose="020B0604020202020204" pitchFamily="34" charset="0"/>
                 <a:ea typeface="微软雅黑" panose="020B0503020204020204" charset="-122"/>
               </a:rPr>
-              <a:t>特征</a:t>
+              <a:t>特征、房间数量</a:t>
+            </a:r>
+            <a:endParaRPr lang="zh-CN" altLang="en-US" sz="1800">
+              <a:latin typeface="Arial" panose="020B0604020202020204" pitchFamily="34" charset="0"/>
+              <a:ea typeface="微软雅黑" panose="020B0503020204020204" charset="-122"/>
+            </a:endParaRPr>
+          </a:p>
+          <a:p>
+            <a:pPr marL="1200150" lvl="2" indent="-285750" algn="l">
+              <a:buFont typeface="Arial" panose="020B0604020202020204" pitchFamily="34" charset="0"/>
+              <a:buChar char="•"/>
+            </a:pPr>
+            <a:r>
+              <a:rPr lang="zh-CN" altLang="en-US" sz="1800">
+                <a:latin typeface="Arial" panose="020B0604020202020204" pitchFamily="34" charset="0"/>
+                <a:ea typeface="微软雅黑" panose="020B0503020204020204" charset="-122"/>
+              </a:rPr>
+              <a:t>提取楼层特征</a:t>
+            </a:r>
+            <a:r>
+              <a:rPr lang="zh-CN" altLang="en-US" sz="1800">
+                <a:latin typeface="Arial" panose="020B0604020202020204" pitchFamily="34" charset="0"/>
+                <a:ea typeface="微软雅黑" panose="020B0503020204020204" charset="-122"/>
+              </a:rPr>
+              <a:t>等</a:t>
             </a:r>
             <a:endParaRPr lang="zh-CN" altLang="en-US" sz="1800">
               <a:latin typeface="Arial" panose="020B0604020202020204" pitchFamily="34" charset="0"/>
@@ -4642,13 +4745,6 @@
               <a:buFont typeface="Arial" panose="020B0604020202020204" pitchFamily="34" charset="0"/>
               <a:buChar char="•"/>
             </a:pPr>
-            <a:r>
-              <a:rPr lang="zh-CN" altLang="en-US" sz="1800">
-                <a:latin typeface="Arial" panose="020B0604020202020204" pitchFamily="34" charset="0"/>
-                <a:ea typeface="微软雅黑" panose="020B0503020204020204" charset="-122"/>
-              </a:rPr>
-              <a:t>提取房间数量</a:t>
-            </a:r>
             <a:endParaRPr lang="zh-CN" altLang="en-US" sz="1800">
               <a:latin typeface="Arial" panose="020B0604020202020204" pitchFamily="34" charset="0"/>
               <a:ea typeface="微软雅黑" panose="020B0503020204020204" charset="-122"/>
@@ -4664,6 +4760,32 @@
               <a:ea typeface="微软雅黑" panose="020B0503020204020204" charset="-122"/>
             </a:endParaRPr>
           </a:p>
+        </p:txBody>
+      </p:sp>
+      <p:sp>
+        <p:nvSpPr>
+          <p:cNvPr id="1" name="文本框 0"/>
+          <p:cNvSpPr txBox="1"/>
+          <p:nvPr/>
+        </p:nvSpPr>
+        <p:spPr>
+          <a:xfrm>
+            <a:off x="-186690" y="4128770"/>
+            <a:ext cx="10965815" cy="1423670"/>
+          </a:xfrm>
+          <a:prstGeom prst="rect">
+            <a:avLst/>
+          </a:prstGeom>
+        </p:spPr>
+        <p:txBody>
+          <a:bodyPr>
+            <a:noAutofit/>
+            <a:extLst>
+              <a:ext uri="{4A0BC546-FE56-4ADE-93B0-CB8AF2F6F144}">
+                <wpsdc:textFrameExt xmlns:wpsdc="http://www.wps.cn/officeDocument/2022/drawingmlCustomData" type="text"/>
+              </a:ext>
+            </a:extLst>
+          </a:bodyPr>
           <a:p>
             <a:pPr marL="1200150" lvl="2" indent="-285750" algn="l">
               <a:buFont typeface="Arial" panose="020B0604020202020204" pitchFamily="34" charset="0"/>
@@ -4674,15 +4796,59 @@
                 <a:latin typeface="Arial" panose="020B0604020202020204" pitchFamily="34" charset="0"/>
                 <a:ea typeface="微软雅黑" panose="020B0503020204020204" charset="-122"/>
               </a:rPr>
-              <a:t>提取楼层</a:t>
+              <a:t>划分训练集和</a:t>
             </a:r>
             <a:r>
               <a:rPr lang="zh-CN" altLang="en-US" sz="1800">
                 <a:latin typeface="Arial" panose="020B0604020202020204" pitchFamily="34" charset="0"/>
                 <a:ea typeface="微软雅黑" panose="020B0503020204020204" charset="-122"/>
               </a:rPr>
-              <a:t>特征</a:t>
-            </a:r>
+              <a:t>验证集</a:t>
+            </a:r>
+            <a:endParaRPr lang="zh-CN" altLang="en-US" sz="1800">
+              <a:latin typeface="Arial" panose="020B0604020202020204" pitchFamily="34" charset="0"/>
+              <a:ea typeface="微软雅黑" panose="020B0503020204020204" charset="-122"/>
+            </a:endParaRPr>
+          </a:p>
+          <a:p>
+            <a:pPr marL="1200150" lvl="2" indent="-285750" algn="l">
+              <a:buFont typeface="Arial" panose="020B0604020202020204" pitchFamily="34" charset="0"/>
+              <a:buChar char="•"/>
+            </a:pPr>
+            <a:r>
+              <a:rPr lang="zh-CN" altLang="en-US" sz="1800">
+                <a:latin typeface="Arial" panose="020B0604020202020204" pitchFamily="34" charset="0"/>
+                <a:ea typeface="微软雅黑" panose="020B0503020204020204" charset="-122"/>
+              </a:rPr>
+              <a:t>将上述定义的函数</a:t>
+            </a:r>
+            <a:r>
+              <a:rPr lang="zh-CN" altLang="en-US" sz="1800">
+                <a:latin typeface="Arial" panose="020B0604020202020204" pitchFamily="34" charset="0"/>
+                <a:ea typeface="微软雅黑" panose="020B0503020204020204" charset="-122"/>
+              </a:rPr>
+              <a:t>应用</a:t>
+            </a:r>
+            <a:endParaRPr lang="zh-CN" altLang="en-US" sz="1800">
+              <a:latin typeface="Arial" panose="020B0604020202020204" pitchFamily="34" charset="0"/>
+              <a:ea typeface="微软雅黑" panose="020B0503020204020204" charset="-122"/>
+            </a:endParaRPr>
+          </a:p>
+          <a:p>
+            <a:pPr marL="1200150" lvl="2" indent="-285750" algn="l">
+              <a:buFont typeface="Arial" panose="020B0604020202020204" pitchFamily="34" charset="0"/>
+              <a:buChar char="•"/>
+            </a:pPr>
+            <a:endParaRPr lang="zh-CN" altLang="en-US" sz="1800">
+              <a:latin typeface="Arial" panose="020B0604020202020204" pitchFamily="34" charset="0"/>
+              <a:ea typeface="微软雅黑" panose="020B0503020204020204" charset="-122"/>
+            </a:endParaRPr>
+          </a:p>
+          <a:p>
+            <a:pPr marL="1200150" lvl="2" indent="-285750" algn="l">
+              <a:buFont typeface="Arial" panose="020B0604020202020204" pitchFamily="34" charset="0"/>
+              <a:buChar char="•"/>
+            </a:pPr>
             <a:endParaRPr lang="zh-CN" altLang="en-US" sz="1800">
               <a:latin typeface="Arial" panose="020B0604020202020204" pitchFamily="34" charset="0"/>
               <a:ea typeface="微软雅黑" panose="020B0503020204020204" charset="-122"/>
@@ -5015,7 +5181,7 @@
       </p:graphicFrame>
       <p:sp>
         <p:nvSpPr>
-          <p:cNvPr id="1" name="文本框 0"/>
+          <p:cNvPr id="2" name="文本框 1"/>
           <p:cNvSpPr txBox="1"/>
           <p:nvPr/>
         </p:nvSpPr>
@@ -5038,67 +5204,9 @@
             </a:extLst>
           </a:bodyPr>
           <a:p>
-            <a:pPr marL="285750" indent="-285750" algn="l">
+            <a:pPr indent="0" algn="l">
               <a:buFont typeface="Arial" panose="020B0604020202020204" pitchFamily="34" charset="0"/>
-              <a:buChar char="•"/>
-            </a:pPr>
-            <a:r>
-              <a:rPr lang="zh-CN" altLang="en-US" sz="1800">
-                <a:latin typeface="Arial" panose="020B0604020202020204" pitchFamily="34" charset="0"/>
-                <a:ea typeface="微软雅黑" panose="020B0503020204020204" charset="-122"/>
-              </a:rPr>
-              <a:t>提取训练集的特征和目标</a:t>
-            </a:r>
-            <a:r>
-              <a:rPr lang="zh-CN" altLang="en-US" sz="1800">
-                <a:latin typeface="Arial" panose="020B0604020202020204" pitchFamily="34" charset="0"/>
-                <a:ea typeface="微软雅黑" panose="020B0503020204020204" charset="-122"/>
-              </a:rPr>
-              <a:t>变量</a:t>
-            </a:r>
-            <a:endParaRPr lang="zh-CN" altLang="en-US" sz="1800">
-              <a:latin typeface="Arial" panose="020B0604020202020204" pitchFamily="34" charset="0"/>
-              <a:ea typeface="微软雅黑" panose="020B0503020204020204" charset="-122"/>
-            </a:endParaRPr>
-          </a:p>
-          <a:p>
-            <a:pPr marL="285750" indent="-285750" algn="l">
-              <a:buFont typeface="Arial" panose="020B0604020202020204" pitchFamily="34" charset="0"/>
-              <a:buChar char="•"/>
-            </a:pPr>
-            <a:endParaRPr lang="zh-CN" altLang="en-US" sz="1800">
-              <a:latin typeface="Arial" panose="020B0604020202020204" pitchFamily="34" charset="0"/>
-              <a:ea typeface="微软雅黑" panose="020B0503020204020204" charset="-122"/>
-            </a:endParaRPr>
-          </a:p>
-          <a:p>
-            <a:pPr marL="285750" indent="-285750" algn="l">
-              <a:buFont typeface="Arial" panose="020B0604020202020204" pitchFamily="34" charset="0"/>
-              <a:buChar char="•"/>
-            </a:pPr>
-            <a:r>
-              <a:rPr lang="zh-CN" altLang="en-US" sz="1800">
-                <a:latin typeface="Arial" panose="020B0604020202020204" pitchFamily="34" charset="0"/>
-                <a:ea typeface="微软雅黑" panose="020B0503020204020204" charset="-122"/>
-              </a:rPr>
-              <a:t>区分数值型特征和</a:t>
-            </a:r>
-            <a:r>
-              <a:rPr lang="zh-CN" altLang="en-US" sz="1800">
-                <a:latin typeface="Arial" panose="020B0604020202020204" pitchFamily="34" charset="0"/>
-                <a:ea typeface="微软雅黑" panose="020B0503020204020204" charset="-122"/>
-              </a:rPr>
-              <a:t>分类性特征</a:t>
-            </a:r>
-            <a:endParaRPr lang="zh-CN" altLang="en-US" sz="1800">
-              <a:latin typeface="Arial" panose="020B0604020202020204" pitchFamily="34" charset="0"/>
-              <a:ea typeface="微软雅黑" panose="020B0503020204020204" charset="-122"/>
-            </a:endParaRPr>
-          </a:p>
-          <a:p>
-            <a:pPr marL="285750" indent="-285750" algn="l">
-              <a:buFont typeface="Arial" panose="020B0604020202020204" pitchFamily="34" charset="0"/>
-              <a:buChar char="•"/>
+              <a:buNone/>
             </a:pPr>
             <a:endParaRPr lang="zh-CN" altLang="en-US" sz="1800">
               <a:latin typeface="Arial" panose="020B0604020202020204" pitchFamily="34" charset="0"/>
@@ -5476,7 +5584,7 @@
       </p:graphicFrame>
       <p:sp>
         <p:nvSpPr>
-          <p:cNvPr id="1" name="文本框 0"/>
+          <p:cNvPr id="3" name="文本框 2"/>
           <p:cNvSpPr txBox="1"/>
           <p:nvPr/>
         </p:nvSpPr>
@@ -5508,14 +5616,14 @@
                 <a:latin typeface="Arial" panose="020B0604020202020204" pitchFamily="34" charset="0"/>
                 <a:ea typeface="微软雅黑" panose="020B0503020204020204" charset="-122"/>
               </a:rPr>
-              <a:t>计算模型性能</a:t>
+              <a:t>计算特征重要</a:t>
             </a:r>
             <a:r>
               <a:rPr lang="zh-CN" altLang="en-US" sz="1800">
                 <a:latin typeface="Arial" panose="020B0604020202020204" pitchFamily="34" charset="0"/>
                 <a:ea typeface="微软雅黑" panose="020B0503020204020204" charset="-122"/>
               </a:rPr>
-              <a:t>指数</a:t>
+              <a:t>性</a:t>
             </a:r>
             <a:endParaRPr lang="zh-CN" altLang="en-US" sz="1800">
               <a:latin typeface="Arial" panose="020B0604020202020204" pitchFamily="34" charset="0"/>
@@ -5532,95 +5640,11 @@
               <a:ea typeface="微软雅黑" panose="020B0503020204020204" charset="-122"/>
             </a:endParaRPr>
           </a:p>
-          <a:p>
-            <a:pPr marL="285750" indent="-285750" algn="l">
-              <a:buFont typeface="Arial" panose="020B0604020202020204" pitchFamily="34" charset="0"/>
-              <a:buChar char="•"/>
-            </a:pPr>
-            <a:endParaRPr lang="zh-CN" altLang="en-US" sz="1800">
-              <a:latin typeface="Arial" panose="020B0604020202020204" pitchFamily="34" charset="0"/>
-              <a:ea typeface="微软雅黑" panose="020B0503020204020204" charset="-122"/>
-            </a:endParaRPr>
-          </a:p>
-          <a:p>
-            <a:pPr marL="285750" indent="-285750" algn="l">
-              <a:buFont typeface="Arial" panose="020B0604020202020204" pitchFamily="34" charset="0"/>
-              <a:buChar char="•"/>
-            </a:pPr>
-            <a:endParaRPr lang="zh-CN" altLang="en-US" sz="1800">
-              <a:latin typeface="Arial" panose="020B0604020202020204" pitchFamily="34" charset="0"/>
-              <a:ea typeface="微软雅黑" panose="020B0503020204020204" charset="-122"/>
-            </a:endParaRPr>
-          </a:p>
-          <a:p>
-            <a:pPr marL="285750" indent="-285750" algn="l">
-              <a:buFont typeface="Arial" panose="020B0604020202020204" pitchFamily="34" charset="0"/>
-              <a:buChar char="•"/>
-            </a:pPr>
-            <a:endParaRPr lang="zh-CN" altLang="en-US" sz="1800">
-              <a:latin typeface="Arial" panose="020B0604020202020204" pitchFamily="34" charset="0"/>
-              <a:ea typeface="微软雅黑" panose="020B0503020204020204" charset="-122"/>
-            </a:endParaRPr>
-          </a:p>
-          <a:p>
-            <a:pPr marL="285750" indent="-285750" algn="l">
-              <a:buFont typeface="Arial" panose="020B0604020202020204" pitchFamily="34" charset="0"/>
-              <a:buChar char="•"/>
-            </a:pPr>
-            <a:endParaRPr lang="zh-CN" altLang="en-US" sz="1800">
-              <a:latin typeface="Arial" panose="020B0604020202020204" pitchFamily="34" charset="0"/>
-              <a:ea typeface="微软雅黑" panose="020B0503020204020204" charset="-122"/>
-            </a:endParaRPr>
-          </a:p>
-          <a:p>
-            <a:pPr marL="285750" indent="-285750" algn="l">
-              <a:buFont typeface="Arial" panose="020B0604020202020204" pitchFamily="34" charset="0"/>
-              <a:buChar char="•"/>
-            </a:pPr>
-            <a:endParaRPr lang="zh-CN" altLang="en-US" sz="1800">
-              <a:latin typeface="Arial" panose="020B0604020202020204" pitchFamily="34" charset="0"/>
-              <a:ea typeface="微软雅黑" panose="020B0503020204020204" charset="-122"/>
-            </a:endParaRPr>
-          </a:p>
-          <a:p>
-            <a:pPr marL="285750" indent="-285750" algn="l">
-              <a:buFont typeface="Arial" panose="020B0604020202020204" pitchFamily="34" charset="0"/>
-              <a:buChar char="•"/>
-            </a:pPr>
-            <a:r>
-              <a:rPr lang="zh-CN" altLang="en-US" sz="1800">
-                <a:latin typeface="Arial" panose="020B0604020202020204" pitchFamily="34" charset="0"/>
-                <a:ea typeface="微软雅黑" panose="020B0503020204020204" charset="-122"/>
-              </a:rPr>
-              <a:t>计算特征重要</a:t>
-            </a:r>
-            <a:r>
-              <a:rPr lang="zh-CN" altLang="en-US" sz="1800">
-                <a:latin typeface="Arial" panose="020B0604020202020204" pitchFamily="34" charset="0"/>
-                <a:ea typeface="微软雅黑" panose="020B0503020204020204" charset="-122"/>
-              </a:rPr>
-              <a:t>性</a:t>
-            </a:r>
-            <a:endParaRPr lang="zh-CN" altLang="en-US" sz="1800">
-              <a:latin typeface="Arial" panose="020B0604020202020204" pitchFamily="34" charset="0"/>
-              <a:ea typeface="微软雅黑" panose="020B0503020204020204" charset="-122"/>
-            </a:endParaRPr>
-          </a:p>
-          <a:p>
-            <a:pPr marL="285750" indent="-285750" algn="l">
-              <a:buFont typeface="Arial" panose="020B0604020202020204" pitchFamily="34" charset="0"/>
-              <a:buChar char="•"/>
-            </a:pPr>
-            <a:endParaRPr lang="zh-CN" altLang="en-US" sz="1800">
-              <a:latin typeface="Arial" panose="020B0604020202020204" pitchFamily="34" charset="0"/>
-              <a:ea typeface="微软雅黑" panose="020B0503020204020204" charset="-122"/>
-            </a:endParaRPr>
-          </a:p>
         </p:txBody>
       </p:sp>
       <p:pic>
         <p:nvPicPr>
-          <p:cNvPr id="2" name="图片 1"/>
+          <p:cNvPr id="4" name="图片 3"/>
           <p:cNvPicPr>
             <a:picLocks noChangeAspect="1"/>
           </p:cNvPicPr>
@@ -5634,31 +5658,7 @@
         </p:blipFill>
         <p:spPr>
           <a:xfrm>
-            <a:off x="1007745" y="2480310"/>
-            <a:ext cx="3545205" cy="1177290"/>
-          </a:xfrm>
-          <a:prstGeom prst="rect">
-            <a:avLst/>
-          </a:prstGeom>
-        </p:spPr>
-      </p:pic>
-      <p:pic>
-        <p:nvPicPr>
-          <p:cNvPr id="4" name="图片 3"/>
-          <p:cNvPicPr>
-            <a:picLocks noChangeAspect="1"/>
-          </p:cNvPicPr>
-          <p:nvPr/>
-        </p:nvPicPr>
-        <p:blipFill>
-          <a:blip r:embed="rId5"/>
-          <a:stretch>
-            <a:fillRect/>
-          </a:stretch>
-        </p:blipFill>
-        <p:spPr>
-          <a:xfrm>
-            <a:off x="3526790" y="3771900"/>
+            <a:off x="2952115" y="2066925"/>
             <a:ext cx="2430780" cy="2179320"/>
           </a:xfrm>
           <a:prstGeom prst="rect">
